--- a/doc/scheme/hog_arc_sinhnn.pptx
+++ b/doc/scheme/hog_arc_sinhnn.pptx
@@ -196,7 +196,7 @@
           <a:p>
             <a:fld id="{28FF0D99-8159-4B35-AB05-F0C8F7DDB0D5}" type="datetimeFigureOut">
               <a:rPr lang="en-US" smtClean="0"/>
-              <a:t>9/8/2017</a:t>
+              <a:t>10/16/2017</a:t>
             </a:fld>
             <a:endParaRPr lang="en-US"/>
           </a:p>
@@ -729,7 +729,7 @@
           <a:p>
             <a:fld id="{DA70B615-58EE-4690-9E61-21258ABC3620}" type="datetimeFigureOut">
               <a:rPr lang="en-US" smtClean="0"/>
-              <a:t>9/8/2017</a:t>
+              <a:t>10/16/2017</a:t>
             </a:fld>
             <a:endParaRPr lang="en-US"/>
           </a:p>
@@ -899,7 +899,7 @@
           <a:p>
             <a:fld id="{DA70B615-58EE-4690-9E61-21258ABC3620}" type="datetimeFigureOut">
               <a:rPr lang="en-US" smtClean="0"/>
-              <a:t>9/8/2017</a:t>
+              <a:t>10/16/2017</a:t>
             </a:fld>
             <a:endParaRPr lang="en-US"/>
           </a:p>
@@ -1079,7 +1079,7 @@
           <a:p>
             <a:fld id="{DA70B615-58EE-4690-9E61-21258ABC3620}" type="datetimeFigureOut">
               <a:rPr lang="en-US" smtClean="0"/>
-              <a:t>9/8/2017</a:t>
+              <a:t>10/16/2017</a:t>
             </a:fld>
             <a:endParaRPr lang="en-US"/>
           </a:p>
@@ -1249,7 +1249,7 @@
           <a:p>
             <a:fld id="{DA70B615-58EE-4690-9E61-21258ABC3620}" type="datetimeFigureOut">
               <a:rPr lang="en-US" smtClean="0"/>
-              <a:t>9/8/2017</a:t>
+              <a:t>10/16/2017</a:t>
             </a:fld>
             <a:endParaRPr lang="en-US"/>
           </a:p>
@@ -1495,7 +1495,7 @@
           <a:p>
             <a:fld id="{DA70B615-58EE-4690-9E61-21258ABC3620}" type="datetimeFigureOut">
               <a:rPr lang="en-US" smtClean="0"/>
-              <a:t>9/8/2017</a:t>
+              <a:t>10/16/2017</a:t>
             </a:fld>
             <a:endParaRPr lang="en-US"/>
           </a:p>
@@ -1783,7 +1783,7 @@
           <a:p>
             <a:fld id="{DA70B615-58EE-4690-9E61-21258ABC3620}" type="datetimeFigureOut">
               <a:rPr lang="en-US" smtClean="0"/>
-              <a:t>9/8/2017</a:t>
+              <a:t>10/16/2017</a:t>
             </a:fld>
             <a:endParaRPr lang="en-US"/>
           </a:p>
@@ -2205,7 +2205,7 @@
           <a:p>
             <a:fld id="{DA70B615-58EE-4690-9E61-21258ABC3620}" type="datetimeFigureOut">
               <a:rPr lang="en-US" smtClean="0"/>
-              <a:t>9/8/2017</a:t>
+              <a:t>10/16/2017</a:t>
             </a:fld>
             <a:endParaRPr lang="en-US"/>
           </a:p>
@@ -2323,7 +2323,7 @@
           <a:p>
             <a:fld id="{DA70B615-58EE-4690-9E61-21258ABC3620}" type="datetimeFigureOut">
               <a:rPr lang="en-US" smtClean="0"/>
-              <a:t>9/8/2017</a:t>
+              <a:t>10/16/2017</a:t>
             </a:fld>
             <a:endParaRPr lang="en-US"/>
           </a:p>
@@ -2418,7 +2418,7 @@
           <a:p>
             <a:fld id="{DA70B615-58EE-4690-9E61-21258ABC3620}" type="datetimeFigureOut">
               <a:rPr lang="en-US" smtClean="0"/>
-              <a:t>9/8/2017</a:t>
+              <a:t>10/16/2017</a:t>
             </a:fld>
             <a:endParaRPr lang="en-US"/>
           </a:p>
@@ -2695,7 +2695,7 @@
           <a:p>
             <a:fld id="{DA70B615-58EE-4690-9E61-21258ABC3620}" type="datetimeFigureOut">
               <a:rPr lang="en-US" smtClean="0"/>
-              <a:t>9/8/2017</a:t>
+              <a:t>10/16/2017</a:t>
             </a:fld>
             <a:endParaRPr lang="en-US"/>
           </a:p>
@@ -2948,7 +2948,7 @@
           <a:p>
             <a:fld id="{DA70B615-58EE-4690-9E61-21258ABC3620}" type="datetimeFigureOut">
               <a:rPr lang="en-US" smtClean="0"/>
-              <a:t>9/8/2017</a:t>
+              <a:t>10/16/2017</a:t>
             </a:fld>
             <a:endParaRPr lang="en-US"/>
           </a:p>
@@ -3161,7 +3161,7 @@
           <a:p>
             <a:fld id="{DA70B615-58EE-4690-9E61-21258ABC3620}" type="datetimeFigureOut">
               <a:rPr lang="en-US" smtClean="0"/>
-              <a:t>9/8/2017</a:t>
+              <a:t>10/16/2017</a:t>
             </a:fld>
             <a:endParaRPr lang="en-US"/>
           </a:p>
@@ -7405,8 +7405,8 @@
           </a:p>
         </p:txBody>
       </p:sp>
-      <mc:AlternateContent xmlns:mc="http://schemas.openxmlformats.org/markup-compatibility/2006" xmlns:a14="http://schemas.microsoft.com/office/drawing/2010/main">
-        <mc:Choice Requires="a14">
+      <mc:AlternateContent xmlns:mc="http://schemas.openxmlformats.org/markup-compatibility/2006">
+        <mc:Choice xmlns:a14="http://schemas.microsoft.com/office/drawing/2010/main" Requires="a14">
           <p:sp>
             <p:nvSpPr>
               <p:cNvPr id="48" name="TextBox 47"/>
@@ -8386,6 +8386,18 @@
                           </m:d>
                         </m:num>
                         <m:den>
+                          <m:r>
+                            <a:rPr lang="en-US" sz="1600" b="0" i="1" smtClean="0">
+                              <a:latin typeface="Cambria Math"/>
+                            </a:rPr>
+                            <m:t>𝑠𝑞𝑟𝑡</m:t>
+                          </m:r>
+                          <m:r>
+                            <a:rPr lang="en-US" sz="1600" b="0" i="1" smtClean="0">
+                              <a:latin typeface="Cambria Math"/>
+                            </a:rPr>
+                            <m:t>(</m:t>
+                          </m:r>
                           <m:nary>
                             <m:naryPr>
                               <m:chr m:val="∑"/>
@@ -8443,7 +8455,7 @@
                                 <a:rPr lang="en-US" sz="1600" b="0" i="1" smtClean="0">
                                   <a:latin typeface="Cambria Math"/>
                                 </a:rPr>
-                                <m:t>]</m:t>
+                                <m:t>])</m:t>
                               </m:r>
                             </m:e>
                           </m:nary>
@@ -8902,13 +8914,22 @@
                 </a:r>
                 <a:r>
                   <a:rPr lang="en-US" sz="1600" b="1" u="sng" dirty="0" smtClean="0"/>
-                  <a:t>share ? blocks</a:t>
+                  <a:t>share </a:t>
                 </a:r>
+                <a:r>
+                  <a:rPr lang="en-US" sz="1600" b="1" u="sng" smtClean="0"/>
+                  <a:t>? </a:t>
+                </a:r>
+                <a:r>
+                  <a:rPr lang="en-US" sz="1600" b="1" u="sng" smtClean="0"/>
+                  <a:t>blocks</a:t>
+                </a:r>
+                <a:endParaRPr lang="en-US" sz="1600" b="1" u="sng" dirty="0" smtClean="0"/>
               </a:p>
             </p:txBody>
           </p:sp>
         </mc:Choice>
-        <mc:Fallback xmlns="">
+        <mc:Fallback>
           <p:sp>
             <p:nvSpPr>
               <p:cNvPr id="48" name="TextBox 47"/>
